--- a/Composing Asynchronous Operations.pptx
+++ b/Composing Asynchronous Operations.pptx
@@ -3034,31 +3034,31 @@
     </dgm:pt>
   </dgm:ptLst>
   <dgm:cxnLst>
+    <dgm:cxn modelId="{E4E77A9E-4B6F-499E-B869-63CD911BDDA9}" type="presOf" srcId="{292B2398-2B13-4CC8-B6CA-D21E2EDDB8DB}" destId="{5AD9CDB4-E7FF-456E-B3C6-547A7235DCA5}" srcOrd="0" destOrd="1" presId="urn:diagrams.loki3.com/BracketList"/>
     <dgm:cxn modelId="{1FC5C549-8FBE-4A6F-88C0-F8AC64ECF0BB}" type="presOf" srcId="{43D5C2F8-9C71-4470-9AFD-02FE21EF727C}" destId="{9F0EB982-7834-4839-B948-C5D67F85A01F}" srcOrd="0" destOrd="0" presId="urn:diagrams.loki3.com/BracketList"/>
-    <dgm:cxn modelId="{6C28C557-9979-4D9D-AB07-7AB3A370A2FF}" srcId="{E62A188C-98C8-4E72-821A-ED9FEA8C4A80}" destId="{D140B112-37C4-4EA6-B2C5-335B138376DD}" srcOrd="2" destOrd="0" parTransId="{4A60F14B-86D7-4A37-8C18-FB70E8CA163A}" sibTransId="{AF1B3EE5-8B61-4556-9C6E-313F28C83600}"/>
+    <dgm:cxn modelId="{0A6848F3-2004-4032-B8CC-23C0EBE031F7}" srcId="{37E87BC9-2F46-48F9-AD17-E27C0FC286CC}" destId="{B0995A35-00C0-4F08-8CD7-3C6A0B034099}" srcOrd="2" destOrd="0" parTransId="{0576CDE8-A4BC-4B06-94C1-2373BC20CFF1}" sibTransId="{7A93D9A3-E601-458D-A895-F3D82F666B14}"/>
     <dgm:cxn modelId="{4E5BA6FF-B36F-46E2-82F4-BB47C621B8FB}" srcId="{B0995A35-00C0-4F08-8CD7-3C6A0B034099}" destId="{292B2398-2B13-4CC8-B6CA-D21E2EDDB8DB}" srcOrd="1" destOrd="0" parTransId="{00A86902-4B0B-4D6E-B747-752105926003}" sibTransId="{918D6145-D24D-4628-AC74-AE9125628436}"/>
+    <dgm:cxn modelId="{5A2E3229-0C65-44D7-BA7C-C095135095DF}" type="presOf" srcId="{B0995A35-00C0-4F08-8CD7-3C6A0B034099}" destId="{E738ECFF-B1CF-4C97-9343-CA846B1EA91C}" srcOrd="0" destOrd="0" presId="urn:diagrams.loki3.com/BracketList"/>
+    <dgm:cxn modelId="{E36FA4A1-7094-44CD-920D-A4DC3C461C6B}" srcId="{F46EC923-41BB-4392-B7F5-FC1176BDB7B9}" destId="{E7082F6F-FBBB-4E9B-BAF6-59E8A096EED4}" srcOrd="2" destOrd="0" parTransId="{19F69126-78E3-4943-9D7E-8C9B27F71DF8}" sibTransId="{15439349-E4F1-48D2-BDBF-74BF1FC9580A}"/>
+    <dgm:cxn modelId="{6C399BB5-3D76-4F54-87EB-C6B054FFE622}" srcId="{F46EC923-41BB-4392-B7F5-FC1176BDB7B9}" destId="{5168EF75-639D-4530-92E7-26D3C75BCA5E}" srcOrd="1" destOrd="0" parTransId="{AA4A7A5A-D31F-444F-9F1E-9DD98C40006B}" sibTransId="{1B98A1FD-B2EB-4DA5-A45F-FAD42362A210}"/>
     <dgm:cxn modelId="{97D92CE1-0F13-4DBC-A90D-6B859180F278}" srcId="{E62A188C-98C8-4E72-821A-ED9FEA8C4A80}" destId="{6701D90B-FEFC-4CDE-A1B3-19AFBD0B3F29}" srcOrd="0" destOrd="0" parTransId="{2FE4F7AF-8F62-433D-9188-BA3846B7B388}" sibTransId="{555DED6B-0E18-49FF-848F-F18645287B13}"/>
-    <dgm:cxn modelId="{7E3F4822-361E-4E27-B1D5-82D3E36C010E}" srcId="{37E87BC9-2F46-48F9-AD17-E27C0FC286CC}" destId="{F46EC923-41BB-4392-B7F5-FC1176BDB7B9}" srcOrd="1" destOrd="0" parTransId="{FBB88874-5486-4DF6-B715-C3DEF4900877}" sibTransId="{08027C8C-9EF7-4720-9B9C-4B0609658822}"/>
-    <dgm:cxn modelId="{602404E2-DE21-4903-BF6B-763C038B18FB}" srcId="{E62A188C-98C8-4E72-821A-ED9FEA8C4A80}" destId="{C4DAFCE4-6B1F-465C-A3A0-1AD7E8A3495D}" srcOrd="1" destOrd="0" parTransId="{734BC05F-7B22-41FC-A1FB-87065380EC6F}" sibTransId="{0301A370-F2EC-48B0-8861-1F8651B61A42}"/>
+    <dgm:cxn modelId="{32BDDE64-83CE-475E-920C-F6ACD24367D7}" type="presOf" srcId="{E7082F6F-FBBB-4E9B-BAF6-59E8A096EED4}" destId="{9F0EB982-7834-4839-B948-C5D67F85A01F}" srcOrd="0" destOrd="2" presId="urn:diagrams.loki3.com/BracketList"/>
     <dgm:cxn modelId="{CDF5CDDF-8AC7-4AF6-9B3E-2C999E9645B8}" srcId="{F46EC923-41BB-4392-B7F5-FC1176BDB7B9}" destId="{43D5C2F8-9C71-4470-9AFD-02FE21EF727C}" srcOrd="0" destOrd="0" parTransId="{766A75EF-84F1-49B4-87E1-3D5254656F6E}" sibTransId="{2562AB74-9E99-48F7-B5A7-F2DEAAF01A6F}"/>
-    <dgm:cxn modelId="{C20C1B73-3047-4091-B030-31B4FFABC3AF}" srcId="{37E87BC9-2F46-48F9-AD17-E27C0FC286CC}" destId="{E62A188C-98C8-4E72-821A-ED9FEA8C4A80}" srcOrd="0" destOrd="0" parTransId="{B86B54E3-ECCB-496B-943C-79CBBEF93322}" sibTransId="{C3F9E6E1-0259-4846-BAF3-E962E7E5E244}"/>
-    <dgm:cxn modelId="{0F3AA344-0400-4F06-933B-B883F37D4A6D}" type="presOf" srcId="{636AE2C5-5CE8-4168-8020-CF8C6AB8055E}" destId="{5AD9CDB4-E7FF-456E-B3C6-547A7235DCA5}" srcOrd="0" destOrd="2" presId="urn:diagrams.loki3.com/BracketList"/>
-    <dgm:cxn modelId="{32BDDE64-83CE-475E-920C-F6ACD24367D7}" type="presOf" srcId="{E7082F6F-FBBB-4E9B-BAF6-59E8A096EED4}" destId="{9F0EB982-7834-4839-B948-C5D67F85A01F}" srcOrd="0" destOrd="2" presId="urn:diagrams.loki3.com/BracketList"/>
-    <dgm:cxn modelId="{E36FA4A1-7094-44CD-920D-A4DC3C461C6B}" srcId="{F46EC923-41BB-4392-B7F5-FC1176BDB7B9}" destId="{E7082F6F-FBBB-4E9B-BAF6-59E8A096EED4}" srcOrd="2" destOrd="0" parTransId="{19F69126-78E3-4943-9D7E-8C9B27F71DF8}" sibTransId="{15439349-E4F1-48D2-BDBF-74BF1FC9580A}"/>
-    <dgm:cxn modelId="{59AADEA3-4A6A-4A68-BD0B-CEEFAAB2C7C7}" type="presOf" srcId="{37E87BC9-2F46-48F9-AD17-E27C0FC286CC}" destId="{365F0ECB-939C-4BDA-82FD-9C5849D52B84}" srcOrd="0" destOrd="0" presId="urn:diagrams.loki3.com/BracketList"/>
-    <dgm:cxn modelId="{E4E77A9E-4B6F-499E-B869-63CD911BDDA9}" type="presOf" srcId="{292B2398-2B13-4CC8-B6CA-D21E2EDDB8DB}" destId="{5AD9CDB4-E7FF-456E-B3C6-547A7235DCA5}" srcOrd="0" destOrd="1" presId="urn:diagrams.loki3.com/BracketList"/>
-    <dgm:cxn modelId="{3ABC410C-E5BB-43F2-92F6-2A8E732C70A8}" srcId="{B0995A35-00C0-4F08-8CD7-3C6A0B034099}" destId="{DC527127-F3C9-4194-AFE8-2D359877BD39}" srcOrd="0" destOrd="0" parTransId="{32DAB9DF-20F7-40AA-9108-2686C20A68CE}" sibTransId="{BA5EAFF4-313B-429B-9A81-ADFCFA1A3082}"/>
     <dgm:cxn modelId="{CF0F3552-FEFD-4EC1-ADF5-0992E3530D25}" srcId="{B0995A35-00C0-4F08-8CD7-3C6A0B034099}" destId="{636AE2C5-5CE8-4168-8020-CF8C6AB8055E}" srcOrd="2" destOrd="0" parTransId="{57CDCFEB-A37F-4F25-962D-4AA45AB1D22D}" sibTransId="{26257894-F45A-49B3-9352-BA291EBB52C9}"/>
     <dgm:cxn modelId="{94910066-7DEF-4D2B-9C21-0691CF9C5F46}" type="presOf" srcId="{DC527127-F3C9-4194-AFE8-2D359877BD39}" destId="{5AD9CDB4-E7FF-456E-B3C6-547A7235DCA5}" srcOrd="0" destOrd="0" presId="urn:diagrams.loki3.com/BracketList"/>
+    <dgm:cxn modelId="{C20C1B73-3047-4091-B030-31B4FFABC3AF}" srcId="{37E87BC9-2F46-48F9-AD17-E27C0FC286CC}" destId="{E62A188C-98C8-4E72-821A-ED9FEA8C4A80}" srcOrd="0" destOrd="0" parTransId="{B86B54E3-ECCB-496B-943C-79CBBEF93322}" sibTransId="{C3F9E6E1-0259-4846-BAF3-E962E7E5E244}"/>
+    <dgm:cxn modelId="{33A64CAD-59E1-4193-BA5F-5E0252F162B6}" type="presOf" srcId="{C4DAFCE4-6B1F-465C-A3A0-1AD7E8A3495D}" destId="{25524872-50FD-4B91-9DEA-6142788C6142}" srcOrd="0" destOrd="1" presId="urn:diagrams.loki3.com/BracketList"/>
+    <dgm:cxn modelId="{6C28C557-9979-4D9D-AB07-7AB3A370A2FF}" srcId="{E62A188C-98C8-4E72-821A-ED9FEA8C4A80}" destId="{D140B112-37C4-4EA6-B2C5-335B138376DD}" srcOrd="2" destOrd="0" parTransId="{4A60F14B-86D7-4A37-8C18-FB70E8CA163A}" sibTransId="{AF1B3EE5-8B61-4556-9C6E-313F28C83600}"/>
     <dgm:cxn modelId="{047DD00D-7BAB-45F1-B89A-780D91D4B4D6}" type="presOf" srcId="{6701D90B-FEFC-4CDE-A1B3-19AFBD0B3F29}" destId="{25524872-50FD-4B91-9DEA-6142788C6142}" srcOrd="0" destOrd="0" presId="urn:diagrams.loki3.com/BracketList"/>
+    <dgm:cxn modelId="{602404E2-DE21-4903-BF6B-763C038B18FB}" srcId="{E62A188C-98C8-4E72-821A-ED9FEA8C4A80}" destId="{C4DAFCE4-6B1F-465C-A3A0-1AD7E8A3495D}" srcOrd="1" destOrd="0" parTransId="{734BC05F-7B22-41FC-A1FB-87065380EC6F}" sibTransId="{0301A370-F2EC-48B0-8861-1F8651B61A42}"/>
+    <dgm:cxn modelId="{0F3AA344-0400-4F06-933B-B883F37D4A6D}" type="presOf" srcId="{636AE2C5-5CE8-4168-8020-CF8C6AB8055E}" destId="{5AD9CDB4-E7FF-456E-B3C6-547A7235DCA5}" srcOrd="0" destOrd="2" presId="urn:diagrams.loki3.com/BracketList"/>
     <dgm:cxn modelId="{7D0DB4B0-07A7-4A2B-A546-D49D050B2073}" type="presOf" srcId="{F46EC923-41BB-4392-B7F5-FC1176BDB7B9}" destId="{F576D136-80CB-431F-84CB-AF3F05E16A2D}" srcOrd="0" destOrd="0" presId="urn:diagrams.loki3.com/BracketList"/>
-    <dgm:cxn modelId="{5A2E3229-0C65-44D7-BA7C-C095135095DF}" type="presOf" srcId="{B0995A35-00C0-4F08-8CD7-3C6A0B034099}" destId="{E738ECFF-B1CF-4C97-9343-CA846B1EA91C}" srcOrd="0" destOrd="0" presId="urn:diagrams.loki3.com/BracketList"/>
+    <dgm:cxn modelId="{59AADEA3-4A6A-4A68-BD0B-CEEFAAB2C7C7}" type="presOf" srcId="{37E87BC9-2F46-48F9-AD17-E27C0FC286CC}" destId="{365F0ECB-939C-4BDA-82FD-9C5849D52B84}" srcOrd="0" destOrd="0" presId="urn:diagrams.loki3.com/BracketList"/>
+    <dgm:cxn modelId="{36C1702D-1A4A-4002-B1D4-1AB61A2D6C22}" type="presOf" srcId="{5168EF75-639D-4530-92E7-26D3C75BCA5E}" destId="{9F0EB982-7834-4839-B948-C5D67F85A01F}" srcOrd="0" destOrd="1" presId="urn:diagrams.loki3.com/BracketList"/>
+    <dgm:cxn modelId="{EB4B7BB5-E995-4873-A0F0-1F97A0CE1362}" type="presOf" srcId="{E62A188C-98C8-4E72-821A-ED9FEA8C4A80}" destId="{877AF98D-680A-4C57-A0F1-1C0A0F3626FD}" srcOrd="0" destOrd="0" presId="urn:diagrams.loki3.com/BracketList"/>
+    <dgm:cxn modelId="{7E3F4822-361E-4E27-B1D5-82D3E36C010E}" srcId="{37E87BC9-2F46-48F9-AD17-E27C0FC286CC}" destId="{F46EC923-41BB-4392-B7F5-FC1176BDB7B9}" srcOrd="1" destOrd="0" parTransId="{FBB88874-5486-4DF6-B715-C3DEF4900877}" sibTransId="{08027C8C-9EF7-4720-9B9C-4B0609658822}"/>
     <dgm:cxn modelId="{ABD29B12-F7B1-4FAE-A67C-D8F2BB65C8B1}" type="presOf" srcId="{D140B112-37C4-4EA6-B2C5-335B138376DD}" destId="{25524872-50FD-4B91-9DEA-6142788C6142}" srcOrd="0" destOrd="2" presId="urn:diagrams.loki3.com/BracketList"/>
-    <dgm:cxn modelId="{0A6848F3-2004-4032-B8CC-23C0EBE031F7}" srcId="{37E87BC9-2F46-48F9-AD17-E27C0FC286CC}" destId="{B0995A35-00C0-4F08-8CD7-3C6A0B034099}" srcOrd="2" destOrd="0" parTransId="{0576CDE8-A4BC-4B06-94C1-2373BC20CFF1}" sibTransId="{7A93D9A3-E601-458D-A895-F3D82F666B14}"/>
-    <dgm:cxn modelId="{36C1702D-1A4A-4002-B1D4-1AB61A2D6C22}" type="presOf" srcId="{5168EF75-639D-4530-92E7-26D3C75BCA5E}" destId="{9F0EB982-7834-4839-B948-C5D67F85A01F}" srcOrd="0" destOrd="1" presId="urn:diagrams.loki3.com/BracketList"/>
-    <dgm:cxn modelId="{6C399BB5-3D76-4F54-87EB-C6B054FFE622}" srcId="{F46EC923-41BB-4392-B7F5-FC1176BDB7B9}" destId="{5168EF75-639D-4530-92E7-26D3C75BCA5E}" srcOrd="1" destOrd="0" parTransId="{AA4A7A5A-D31F-444F-9F1E-9DD98C40006B}" sibTransId="{1B98A1FD-B2EB-4DA5-A45F-FAD42362A210}"/>
-    <dgm:cxn modelId="{EB4B7BB5-E995-4873-A0F0-1F97A0CE1362}" type="presOf" srcId="{E62A188C-98C8-4E72-821A-ED9FEA8C4A80}" destId="{877AF98D-680A-4C57-A0F1-1C0A0F3626FD}" srcOrd="0" destOrd="0" presId="urn:diagrams.loki3.com/BracketList"/>
-    <dgm:cxn modelId="{33A64CAD-59E1-4193-BA5F-5E0252F162B6}" type="presOf" srcId="{C4DAFCE4-6B1F-465C-A3A0-1AD7E8A3495D}" destId="{25524872-50FD-4B91-9DEA-6142788C6142}" srcOrd="0" destOrd="1" presId="urn:diagrams.loki3.com/BracketList"/>
+    <dgm:cxn modelId="{3ABC410C-E5BB-43F2-92F6-2A8E732C70A8}" srcId="{B0995A35-00C0-4F08-8CD7-3C6A0B034099}" destId="{DC527127-F3C9-4194-AFE8-2D359877BD39}" srcOrd="0" destOrd="0" parTransId="{32DAB9DF-20F7-40AA-9108-2686C20A68CE}" sibTransId="{BA5EAFF4-313B-429B-9A81-ADFCFA1A3082}"/>
     <dgm:cxn modelId="{D059578E-6E96-4A20-A725-965D74ADFF13}" type="presParOf" srcId="{365F0ECB-939C-4BDA-82FD-9C5849D52B84}" destId="{4B1126CF-C2C9-49BD-83F3-1EB288D451B0}" srcOrd="0" destOrd="0" presId="urn:diagrams.loki3.com/BracketList"/>
     <dgm:cxn modelId="{7A5331BC-E7DA-4167-8799-F50C3341CB8D}" type="presParOf" srcId="{4B1126CF-C2C9-49BD-83F3-1EB288D451B0}" destId="{877AF98D-680A-4C57-A0F1-1C0A0F3626FD}" srcOrd="0" destOrd="0" presId="urn:diagrams.loki3.com/BracketList"/>
     <dgm:cxn modelId="{4BE311D6-EABD-494C-B17D-36198282CB25}" type="presParOf" srcId="{4B1126CF-C2C9-49BD-83F3-1EB288D451B0}" destId="{CCB5FF38-7E49-48A3-A7B8-B6866FD5CD61}" srcOrd="1" destOrd="0" presId="urn:diagrams.loki3.com/BracketList"/>
@@ -3630,657 +3630,6 @@
       <dsp:cNvGrpSpPr/>
     </dsp:nvGrpSpPr>
     <dsp:grpSpPr/>
-    <dsp:sp modelId="{877AF98D-680A-4C57-A0F1-1C0A0F3626FD}">
-      <dsp:nvSpPr>
-        <dsp:cNvPr id="0" name=""/>
-        <dsp:cNvSpPr/>
-      </dsp:nvSpPr>
-      <dsp:spPr>
-        <a:xfrm>
-          <a:off x="0" y="418564"/>
-          <a:ext cx="2913969" cy="851400"/>
-        </a:xfrm>
-        <a:prstGeom prst="rect">
-          <a:avLst/>
-        </a:prstGeom>
-        <a:noFill/>
-        <a:ln>
-          <a:noFill/>
-        </a:ln>
-        <a:effectLst/>
-      </dsp:spPr>
-      <dsp:style>
-        <a:lnRef idx="0">
-          <a:scrgbClr r="0" g="0" b="0"/>
-        </a:lnRef>
-        <a:fillRef idx="0">
-          <a:scrgbClr r="0" g="0" b="0"/>
-        </a:fillRef>
-        <a:effectRef idx="0">
-          <a:scrgbClr r="0" g="0" b="0"/>
-        </a:effectRef>
-        <a:fontRef idx="minor"/>
-      </dsp:style>
-      <dsp:txBody>
-        <a:bodyPr spcFirstLastPara="0" vert="horz" wrap="square" lIns="305816" tIns="109220" rIns="305816" bIns="109220" numCol="1" spcCol="1270" anchor="ctr" anchorCtr="0">
-          <a:noAutofit/>
-        </a:bodyPr>
-        <a:lstStyle/>
-        <a:p>
-          <a:pPr lvl="0" algn="r" defTabSz="1911350">
-            <a:lnSpc>
-              <a:spcPct val="90000"/>
-            </a:lnSpc>
-            <a:spcBef>
-              <a:spcPct val="0"/>
-            </a:spcBef>
-            <a:spcAft>
-              <a:spcPct val="35000"/>
-            </a:spcAft>
-          </a:pPr>
-          <a:r>
-            <a:rPr lang="en-US" sz="4300" kern="1200" dirty="0" smtClean="0"/>
-            <a:t>Buffering</a:t>
-          </a:r>
-          <a:endParaRPr lang="en-US" sz="4300" kern="1200" dirty="0"/>
-        </a:p>
-      </dsp:txBody>
-      <dsp:txXfrm>
-        <a:off x="0" y="418564"/>
-        <a:ext cx="2913969" cy="851400"/>
-      </dsp:txXfrm>
-    </dsp:sp>
-    <dsp:sp modelId="{CCB5FF38-7E49-48A3-A7B8-B6866FD5CD61}">
-      <dsp:nvSpPr>
-        <dsp:cNvPr id="0" name=""/>
-        <dsp:cNvSpPr/>
-      </dsp:nvSpPr>
-      <dsp:spPr>
-        <a:xfrm>
-          <a:off x="2913969" y="85986"/>
-          <a:ext cx="582793" cy="1516556"/>
-        </a:xfrm>
-        <a:prstGeom prst="leftBrace">
-          <a:avLst>
-            <a:gd name="adj1" fmla="val 35000"/>
-            <a:gd name="adj2" fmla="val 50000"/>
-          </a:avLst>
-        </a:prstGeom>
-        <a:noFill/>
-        <a:ln w="12700" cap="flat" cmpd="sng" algn="ctr">
-          <a:solidFill>
-            <a:schemeClr val="accent1">
-              <a:shade val="60000"/>
-              <a:hueOff val="0"/>
-              <a:satOff val="0"/>
-              <a:lumOff val="0"/>
-              <a:alphaOff val="0"/>
-            </a:schemeClr>
-          </a:solidFill>
-          <a:prstDash val="solid"/>
-          <a:miter lim="800000"/>
-        </a:ln>
-        <a:effectLst/>
-      </dsp:spPr>
-      <dsp:style>
-        <a:lnRef idx="2">
-          <a:scrgbClr r="0" g="0" b="0"/>
-        </a:lnRef>
-        <a:fillRef idx="0">
-          <a:scrgbClr r="0" g="0" b="0"/>
-        </a:fillRef>
-        <a:effectRef idx="0">
-          <a:scrgbClr r="0" g="0" b="0"/>
-        </a:effectRef>
-        <a:fontRef idx="minor"/>
-      </dsp:style>
-    </dsp:sp>
-    <dsp:sp modelId="{25524872-50FD-4B91-9DEA-6142788C6142}">
-      <dsp:nvSpPr>
-        <dsp:cNvPr id="0" name=""/>
-        <dsp:cNvSpPr/>
-      </dsp:nvSpPr>
-      <dsp:spPr>
-        <a:xfrm>
-          <a:off x="3729880" y="85986"/>
-          <a:ext cx="7925997" cy="1516556"/>
-        </a:xfrm>
-        <a:prstGeom prst="rect">
-          <a:avLst/>
-        </a:prstGeom>
-        <a:solidFill>
-          <a:srgbClr val="4B397F"/>
-        </a:solidFill>
-        <a:ln w="12700" cap="flat" cmpd="sng" algn="ctr">
-          <a:solidFill>
-            <a:schemeClr val="lt1">
-              <a:hueOff val="0"/>
-              <a:satOff val="0"/>
-              <a:lumOff val="0"/>
-              <a:alphaOff val="0"/>
-            </a:schemeClr>
-          </a:solidFill>
-          <a:prstDash val="solid"/>
-          <a:miter lim="800000"/>
-        </a:ln>
-        <a:effectLst/>
-      </dsp:spPr>
-      <dsp:style>
-        <a:lnRef idx="2">
-          <a:scrgbClr r="0" g="0" b="0"/>
-        </a:lnRef>
-        <a:fillRef idx="1">
-          <a:scrgbClr r="0" g="0" b="0"/>
-        </a:fillRef>
-        <a:effectRef idx="0">
-          <a:scrgbClr r="0" g="0" b="0"/>
-        </a:effectRef>
-        <a:fontRef idx="minor">
-          <a:schemeClr val="lt1"/>
-        </a:fontRef>
-      </dsp:style>
-      <dsp:txBody>
-        <a:bodyPr spcFirstLastPara="0" vert="horz" wrap="square" lIns="64008" tIns="106680" rIns="0" bIns="106680" numCol="1" spcCol="1270" anchor="ctr" anchorCtr="0">
-          <a:noAutofit/>
-        </a:bodyPr>
-        <a:lstStyle/>
-        <a:p>
-          <a:pPr marL="285750" lvl="1" indent="-285750" algn="l" defTabSz="1244600">
-            <a:lnSpc>
-              <a:spcPct val="90000"/>
-            </a:lnSpc>
-            <a:spcBef>
-              <a:spcPct val="0"/>
-            </a:spcBef>
-            <a:spcAft>
-              <a:spcPct val="15000"/>
-            </a:spcAft>
-            <a:buChar char="••"/>
-          </a:pPr>
-          <a:r>
-            <a:rPr lang="en-US" sz="2800" kern="1200" dirty="0" err="1" smtClean="0"/>
-            <a:t>BufferBlock</a:t>
-          </a:r>
-          <a:endParaRPr lang="en-US" sz="2800" kern="1200" dirty="0"/>
-        </a:p>
-        <a:p>
-          <a:pPr marL="285750" lvl="1" indent="-285750" algn="l" defTabSz="1244600">
-            <a:lnSpc>
-              <a:spcPct val="90000"/>
-            </a:lnSpc>
-            <a:spcBef>
-              <a:spcPct val="0"/>
-            </a:spcBef>
-            <a:spcAft>
-              <a:spcPct val="15000"/>
-            </a:spcAft>
-            <a:buChar char="••"/>
-          </a:pPr>
-          <a:r>
-            <a:rPr lang="en-US" sz="2800" kern="1200" dirty="0" err="1" smtClean="0"/>
-            <a:t>BroadcastBlock</a:t>
-          </a:r>
-          <a:endParaRPr lang="en-US" sz="2800" kern="1200" dirty="0"/>
-        </a:p>
-        <a:p>
-          <a:pPr marL="285750" lvl="1" indent="-285750" algn="l" defTabSz="1244600">
-            <a:lnSpc>
-              <a:spcPct val="90000"/>
-            </a:lnSpc>
-            <a:spcBef>
-              <a:spcPct val="0"/>
-            </a:spcBef>
-            <a:spcAft>
-              <a:spcPct val="15000"/>
-            </a:spcAft>
-            <a:buChar char="••"/>
-          </a:pPr>
-          <a:r>
-            <a:rPr lang="en-US" sz="2800" kern="1200" dirty="0" err="1" smtClean="0"/>
-            <a:t>WriteOnceBlock</a:t>
-          </a:r>
-          <a:endParaRPr lang="en-US" sz="2800" kern="1200" dirty="0"/>
-        </a:p>
-      </dsp:txBody>
-      <dsp:txXfrm>
-        <a:off x="3729880" y="85986"/>
-        <a:ext cx="7925997" cy="1516556"/>
-      </dsp:txXfrm>
-    </dsp:sp>
-    <dsp:sp modelId="{F576D136-80CB-431F-84CB-AF3F05E16A2D}">
-      <dsp:nvSpPr>
-        <dsp:cNvPr id="0" name=""/>
-        <dsp:cNvSpPr/>
-      </dsp:nvSpPr>
-      <dsp:spPr>
-        <a:xfrm>
-          <a:off x="0" y="2089920"/>
-          <a:ext cx="2913969" cy="851400"/>
-        </a:xfrm>
-        <a:prstGeom prst="rect">
-          <a:avLst/>
-        </a:prstGeom>
-        <a:noFill/>
-        <a:ln>
-          <a:noFill/>
-        </a:ln>
-        <a:effectLst/>
-      </dsp:spPr>
-      <dsp:style>
-        <a:lnRef idx="0">
-          <a:scrgbClr r="0" g="0" b="0"/>
-        </a:lnRef>
-        <a:fillRef idx="0">
-          <a:scrgbClr r="0" g="0" b="0"/>
-        </a:fillRef>
-        <a:effectRef idx="0">
-          <a:scrgbClr r="0" g="0" b="0"/>
-        </a:effectRef>
-        <a:fontRef idx="minor"/>
-      </dsp:style>
-      <dsp:txBody>
-        <a:bodyPr spcFirstLastPara="0" vert="horz" wrap="square" lIns="305816" tIns="109220" rIns="305816" bIns="109220" numCol="1" spcCol="1270" anchor="ctr" anchorCtr="0">
-          <a:noAutofit/>
-        </a:bodyPr>
-        <a:lstStyle/>
-        <a:p>
-          <a:pPr lvl="0" algn="r" defTabSz="1911350">
-            <a:lnSpc>
-              <a:spcPct val="90000"/>
-            </a:lnSpc>
-            <a:spcBef>
-              <a:spcPct val="0"/>
-            </a:spcBef>
-            <a:spcAft>
-              <a:spcPct val="35000"/>
-            </a:spcAft>
-          </a:pPr>
-          <a:r>
-            <a:rPr lang="en-US" sz="4300" kern="1200" dirty="0" smtClean="0"/>
-            <a:t>Execution</a:t>
-          </a:r>
-          <a:endParaRPr lang="en-US" sz="4300" kern="1200" dirty="0"/>
-        </a:p>
-      </dsp:txBody>
-      <dsp:txXfrm>
-        <a:off x="0" y="2089920"/>
-        <a:ext cx="2913969" cy="851400"/>
-      </dsp:txXfrm>
-    </dsp:sp>
-    <dsp:sp modelId="{901D0F0F-40FD-48BA-8A1E-466B07900D50}">
-      <dsp:nvSpPr>
-        <dsp:cNvPr id="0" name=""/>
-        <dsp:cNvSpPr/>
-      </dsp:nvSpPr>
-      <dsp:spPr>
-        <a:xfrm>
-          <a:off x="2913969" y="1757342"/>
-          <a:ext cx="582793" cy="1516556"/>
-        </a:xfrm>
-        <a:prstGeom prst="leftBrace">
-          <a:avLst>
-            <a:gd name="adj1" fmla="val 35000"/>
-            <a:gd name="adj2" fmla="val 50000"/>
-          </a:avLst>
-        </a:prstGeom>
-        <a:noFill/>
-        <a:ln w="12700" cap="flat" cmpd="sng" algn="ctr">
-          <a:solidFill>
-            <a:schemeClr val="accent1">
-              <a:shade val="60000"/>
-              <a:hueOff val="0"/>
-              <a:satOff val="0"/>
-              <a:lumOff val="0"/>
-              <a:alphaOff val="0"/>
-            </a:schemeClr>
-          </a:solidFill>
-          <a:prstDash val="solid"/>
-          <a:miter lim="800000"/>
-        </a:ln>
-        <a:effectLst/>
-      </dsp:spPr>
-      <dsp:style>
-        <a:lnRef idx="2">
-          <a:scrgbClr r="0" g="0" b="0"/>
-        </a:lnRef>
-        <a:fillRef idx="0">
-          <a:scrgbClr r="0" g="0" b="0"/>
-        </a:fillRef>
-        <a:effectRef idx="0">
-          <a:scrgbClr r="0" g="0" b="0"/>
-        </a:effectRef>
-        <a:fontRef idx="minor"/>
-      </dsp:style>
-    </dsp:sp>
-    <dsp:sp modelId="{9F0EB982-7834-4839-B948-C5D67F85A01F}">
-      <dsp:nvSpPr>
-        <dsp:cNvPr id="0" name=""/>
-        <dsp:cNvSpPr/>
-      </dsp:nvSpPr>
-      <dsp:spPr>
-        <a:xfrm>
-          <a:off x="3729880" y="1757342"/>
-          <a:ext cx="7925997" cy="1516556"/>
-        </a:xfrm>
-        <a:prstGeom prst="rect">
-          <a:avLst/>
-        </a:prstGeom>
-        <a:solidFill>
-          <a:srgbClr val="3B5B33"/>
-        </a:solidFill>
-        <a:ln w="12700" cap="flat" cmpd="sng" algn="ctr">
-          <a:solidFill>
-            <a:schemeClr val="lt1">
-              <a:hueOff val="0"/>
-              <a:satOff val="0"/>
-              <a:lumOff val="0"/>
-              <a:alphaOff val="0"/>
-            </a:schemeClr>
-          </a:solidFill>
-          <a:prstDash val="solid"/>
-          <a:miter lim="800000"/>
-        </a:ln>
-        <a:effectLst/>
-      </dsp:spPr>
-      <dsp:style>
-        <a:lnRef idx="2">
-          <a:scrgbClr r="0" g="0" b="0"/>
-        </a:lnRef>
-        <a:fillRef idx="1">
-          <a:scrgbClr r="0" g="0" b="0"/>
-        </a:fillRef>
-        <a:effectRef idx="0">
-          <a:scrgbClr r="0" g="0" b="0"/>
-        </a:effectRef>
-        <a:fontRef idx="minor">
-          <a:schemeClr val="lt1"/>
-        </a:fontRef>
-      </dsp:style>
-      <dsp:txBody>
-        <a:bodyPr spcFirstLastPara="0" vert="horz" wrap="square" lIns="45720" tIns="106680" rIns="0" bIns="106680" numCol="1" spcCol="1270" anchor="ctr" anchorCtr="0">
-          <a:noAutofit/>
-        </a:bodyPr>
-        <a:lstStyle/>
-        <a:p>
-          <a:pPr marL="285750" lvl="1" indent="-285750" algn="l" defTabSz="1244600">
-            <a:lnSpc>
-              <a:spcPct val="90000"/>
-            </a:lnSpc>
-            <a:spcBef>
-              <a:spcPct val="0"/>
-            </a:spcBef>
-            <a:spcAft>
-              <a:spcPct val="15000"/>
-            </a:spcAft>
-            <a:buChar char="••"/>
-          </a:pPr>
-          <a:r>
-            <a:rPr lang="en-US" sz="2800" kern="1200" dirty="0" err="1" smtClean="0"/>
-            <a:t>ActionBlock</a:t>
-          </a:r>
-          <a:endParaRPr lang="en-US" sz="2800" kern="1200" dirty="0"/>
-        </a:p>
-        <a:p>
-          <a:pPr marL="285750" lvl="1" indent="-285750" algn="l" defTabSz="1244600">
-            <a:lnSpc>
-              <a:spcPct val="90000"/>
-            </a:lnSpc>
-            <a:spcBef>
-              <a:spcPct val="0"/>
-            </a:spcBef>
-            <a:spcAft>
-              <a:spcPct val="15000"/>
-            </a:spcAft>
-            <a:buChar char="••"/>
-          </a:pPr>
-          <a:r>
-            <a:rPr lang="en-US" sz="2800" kern="1200" dirty="0" err="1" smtClean="0"/>
-            <a:t>TransformBlock</a:t>
-          </a:r>
-          <a:endParaRPr lang="en-US" sz="2800" kern="1200" dirty="0"/>
-        </a:p>
-        <a:p>
-          <a:pPr marL="285750" lvl="1" indent="-285750" algn="l" defTabSz="1244600">
-            <a:lnSpc>
-              <a:spcPct val="90000"/>
-            </a:lnSpc>
-            <a:spcBef>
-              <a:spcPct val="0"/>
-            </a:spcBef>
-            <a:spcAft>
-              <a:spcPct val="15000"/>
-            </a:spcAft>
-            <a:buChar char="••"/>
-          </a:pPr>
-          <a:r>
-            <a:rPr lang="en-US" sz="2800" kern="1200" dirty="0" err="1" smtClean="0"/>
-            <a:t>TransformManyBlock</a:t>
-          </a:r>
-          <a:endParaRPr lang="en-US" sz="2800" kern="1200" dirty="0"/>
-        </a:p>
-      </dsp:txBody>
-      <dsp:txXfrm>
-        <a:off x="3729880" y="1757342"/>
-        <a:ext cx="7925997" cy="1516556"/>
-      </dsp:txXfrm>
-    </dsp:sp>
-    <dsp:sp modelId="{E738ECFF-B1CF-4C97-9343-CA846B1EA91C}">
-      <dsp:nvSpPr>
-        <dsp:cNvPr id="0" name=""/>
-        <dsp:cNvSpPr/>
-      </dsp:nvSpPr>
-      <dsp:spPr>
-        <a:xfrm>
-          <a:off x="0" y="3761277"/>
-          <a:ext cx="2913969" cy="851400"/>
-        </a:xfrm>
-        <a:prstGeom prst="rect">
-          <a:avLst/>
-        </a:prstGeom>
-        <a:noFill/>
-        <a:ln>
-          <a:noFill/>
-        </a:ln>
-        <a:effectLst/>
-      </dsp:spPr>
-      <dsp:style>
-        <a:lnRef idx="0">
-          <a:scrgbClr r="0" g="0" b="0"/>
-        </a:lnRef>
-        <a:fillRef idx="0">
-          <a:scrgbClr r="0" g="0" b="0"/>
-        </a:fillRef>
-        <a:effectRef idx="0">
-          <a:scrgbClr r="0" g="0" b="0"/>
-        </a:effectRef>
-        <a:fontRef idx="minor"/>
-      </dsp:style>
-      <dsp:txBody>
-        <a:bodyPr spcFirstLastPara="0" vert="horz" wrap="square" lIns="305816" tIns="109220" rIns="305816" bIns="109220" numCol="1" spcCol="1270" anchor="ctr" anchorCtr="0">
-          <a:noAutofit/>
-        </a:bodyPr>
-        <a:lstStyle/>
-        <a:p>
-          <a:pPr lvl="0" algn="r" defTabSz="1911350">
-            <a:lnSpc>
-              <a:spcPct val="90000"/>
-            </a:lnSpc>
-            <a:spcBef>
-              <a:spcPct val="0"/>
-            </a:spcBef>
-            <a:spcAft>
-              <a:spcPct val="35000"/>
-            </a:spcAft>
-          </a:pPr>
-          <a:r>
-            <a:rPr lang="en-US" sz="4300" kern="1200" dirty="0" smtClean="0"/>
-            <a:t>Grouping</a:t>
-          </a:r>
-          <a:endParaRPr lang="en-US" sz="4300" kern="1200" dirty="0"/>
-        </a:p>
-      </dsp:txBody>
-      <dsp:txXfrm>
-        <a:off x="0" y="3761277"/>
-        <a:ext cx="2913969" cy="851400"/>
-      </dsp:txXfrm>
-    </dsp:sp>
-    <dsp:sp modelId="{0FF3A46B-3512-4369-8029-68953CA3BDAE}">
-      <dsp:nvSpPr>
-        <dsp:cNvPr id="0" name=""/>
-        <dsp:cNvSpPr/>
-      </dsp:nvSpPr>
-      <dsp:spPr>
-        <a:xfrm>
-          <a:off x="2913969" y="3428699"/>
-          <a:ext cx="582793" cy="1516556"/>
-        </a:xfrm>
-        <a:prstGeom prst="leftBrace">
-          <a:avLst>
-            <a:gd name="adj1" fmla="val 35000"/>
-            <a:gd name="adj2" fmla="val 50000"/>
-          </a:avLst>
-        </a:prstGeom>
-        <a:noFill/>
-        <a:ln w="12700" cap="flat" cmpd="sng" algn="ctr">
-          <a:solidFill>
-            <a:schemeClr val="accent1">
-              <a:shade val="60000"/>
-              <a:hueOff val="0"/>
-              <a:satOff val="0"/>
-              <a:lumOff val="0"/>
-              <a:alphaOff val="0"/>
-            </a:schemeClr>
-          </a:solidFill>
-          <a:prstDash val="solid"/>
-          <a:miter lim="800000"/>
-        </a:ln>
-        <a:effectLst/>
-      </dsp:spPr>
-      <dsp:style>
-        <a:lnRef idx="2">
-          <a:scrgbClr r="0" g="0" b="0"/>
-        </a:lnRef>
-        <a:fillRef idx="0">
-          <a:scrgbClr r="0" g="0" b="0"/>
-        </a:fillRef>
-        <a:effectRef idx="0">
-          <a:scrgbClr r="0" g="0" b="0"/>
-        </a:effectRef>
-        <a:fontRef idx="minor"/>
-      </dsp:style>
-    </dsp:sp>
-    <dsp:sp modelId="{5AD9CDB4-E7FF-456E-B3C6-547A7235DCA5}">
-      <dsp:nvSpPr>
-        <dsp:cNvPr id="0" name=""/>
-        <dsp:cNvSpPr/>
-      </dsp:nvSpPr>
-      <dsp:spPr>
-        <a:xfrm>
-          <a:off x="3729880" y="3467568"/>
-          <a:ext cx="7925997" cy="1516556"/>
-        </a:xfrm>
-        <a:prstGeom prst="rect">
-          <a:avLst/>
-        </a:prstGeom>
-        <a:solidFill>
-          <a:srgbClr val="273553"/>
-        </a:solidFill>
-        <a:ln w="12700" cap="flat" cmpd="sng" algn="ctr">
-          <a:solidFill>
-            <a:schemeClr val="lt1">
-              <a:hueOff val="0"/>
-              <a:satOff val="0"/>
-              <a:lumOff val="0"/>
-              <a:alphaOff val="0"/>
-            </a:schemeClr>
-          </a:solidFill>
-          <a:prstDash val="solid"/>
-          <a:miter lim="800000"/>
-        </a:ln>
-        <a:effectLst/>
-      </dsp:spPr>
-      <dsp:style>
-        <a:lnRef idx="2">
-          <a:scrgbClr r="0" g="0" b="0"/>
-        </a:lnRef>
-        <a:fillRef idx="1">
-          <a:scrgbClr r="0" g="0" b="0"/>
-        </a:fillRef>
-        <a:effectRef idx="0">
-          <a:scrgbClr r="0" g="0" b="0"/>
-        </a:effectRef>
-        <a:fontRef idx="minor">
-          <a:schemeClr val="lt1"/>
-        </a:fontRef>
-      </dsp:style>
-      <dsp:txBody>
-        <a:bodyPr spcFirstLastPara="0" vert="horz" wrap="square" lIns="106680" tIns="106680" rIns="106680" bIns="106680" numCol="1" spcCol="1270" anchor="ctr" anchorCtr="0">
-          <a:noAutofit/>
-        </a:bodyPr>
-        <a:lstStyle/>
-        <a:p>
-          <a:pPr marL="285750" lvl="1" indent="-285750" algn="l" defTabSz="1244600">
-            <a:lnSpc>
-              <a:spcPct val="90000"/>
-            </a:lnSpc>
-            <a:spcBef>
-              <a:spcPct val="0"/>
-            </a:spcBef>
-            <a:spcAft>
-              <a:spcPct val="15000"/>
-            </a:spcAft>
-            <a:buChar char="••"/>
-          </a:pPr>
-          <a:r>
-            <a:rPr lang="en-US" sz="2800" kern="1200" dirty="0" err="1" smtClean="0"/>
-            <a:t>BatchBlock</a:t>
-          </a:r>
-          <a:endParaRPr lang="en-US" sz="2800" kern="1200" dirty="0"/>
-        </a:p>
-        <a:p>
-          <a:pPr marL="285750" lvl="1" indent="-285750" algn="l" defTabSz="1244600">
-            <a:lnSpc>
-              <a:spcPct val="90000"/>
-            </a:lnSpc>
-            <a:spcBef>
-              <a:spcPct val="0"/>
-            </a:spcBef>
-            <a:spcAft>
-              <a:spcPct val="15000"/>
-            </a:spcAft>
-            <a:buChar char="••"/>
-          </a:pPr>
-          <a:r>
-            <a:rPr lang="en-US" sz="2800" kern="1200" dirty="0" err="1" smtClean="0"/>
-            <a:t>JoinBlock</a:t>
-          </a:r>
-          <a:endParaRPr lang="en-US" sz="2800" kern="1200" dirty="0"/>
-        </a:p>
-        <a:p>
-          <a:pPr marL="285750" lvl="1" indent="-285750" algn="l" defTabSz="1244600">
-            <a:lnSpc>
-              <a:spcPct val="90000"/>
-            </a:lnSpc>
-            <a:spcBef>
-              <a:spcPct val="0"/>
-            </a:spcBef>
-            <a:spcAft>
-              <a:spcPct val="15000"/>
-            </a:spcAft>
-            <a:buChar char="••"/>
-          </a:pPr>
-          <a:r>
-            <a:rPr lang="en-US" sz="2800" kern="1200" dirty="0" err="1" smtClean="0"/>
-            <a:t>BatchJoinBlock</a:t>
-          </a:r>
-          <a:endParaRPr lang="en-US" sz="2800" kern="1200" dirty="0"/>
-        </a:p>
-      </dsp:txBody>
-      <dsp:txXfrm>
-        <a:off x="3729880" y="3467568"/>
-        <a:ext cx="7925997" cy="1516556"/>
-      </dsp:txXfrm>
-    </dsp:sp>
   </dsp:spTree>
 </dsp:drawing>
 </file>
@@ -4293,244 +3642,6 @@
       <dsp:cNvGrpSpPr/>
     </dsp:nvGrpSpPr>
     <dsp:grpSpPr/>
-    <dsp:sp modelId="{5B3A2C99-8379-4C3D-BD03-9F7DC286BC5F}">
-      <dsp:nvSpPr>
-        <dsp:cNvPr id="0" name=""/>
-        <dsp:cNvSpPr/>
-      </dsp:nvSpPr>
-      <dsp:spPr>
-        <a:xfrm>
-          <a:off x="693407" y="0"/>
-          <a:ext cx="2377431" cy="1188715"/>
-        </a:xfrm>
-        <a:prstGeom prst="roundRect">
-          <a:avLst>
-            <a:gd name="adj" fmla="val 10000"/>
-          </a:avLst>
-        </a:prstGeom>
-        <a:solidFill>
-          <a:srgbClr val="00B050"/>
-        </a:solidFill>
-        <a:ln w="12700" cap="flat" cmpd="sng" algn="ctr">
-          <a:solidFill>
-            <a:schemeClr val="lt1">
-              <a:hueOff val="0"/>
-              <a:satOff val="0"/>
-              <a:lumOff val="0"/>
-              <a:alphaOff val="0"/>
-            </a:schemeClr>
-          </a:solidFill>
-          <a:prstDash val="solid"/>
-          <a:miter lim="800000"/>
-        </a:ln>
-        <a:effectLst/>
-      </dsp:spPr>
-      <dsp:style>
-        <a:lnRef idx="2">
-          <a:scrgbClr r="0" g="0" b="0"/>
-        </a:lnRef>
-        <a:fillRef idx="1">
-          <a:scrgbClr r="0" g="0" b="0"/>
-        </a:fillRef>
-        <a:effectRef idx="0">
-          <a:scrgbClr r="0" g="0" b="0"/>
-        </a:effectRef>
-        <a:fontRef idx="minor">
-          <a:schemeClr val="lt1"/>
-        </a:fontRef>
-      </dsp:style>
-      <dsp:txBody>
-        <a:bodyPr spcFirstLastPara="0" vert="horz" wrap="square" lIns="24130" tIns="24130" rIns="24130" bIns="24130" numCol="1" spcCol="1270" anchor="ctr" anchorCtr="0">
-          <a:noAutofit/>
-        </a:bodyPr>
-        <a:lstStyle/>
-        <a:p>
-          <a:pPr lvl="0" algn="ctr" defTabSz="1689100">
-            <a:lnSpc>
-              <a:spcPct val="90000"/>
-            </a:lnSpc>
-            <a:spcBef>
-              <a:spcPct val="0"/>
-            </a:spcBef>
-            <a:spcAft>
-              <a:spcPct val="35000"/>
-            </a:spcAft>
-          </a:pPr>
-          <a:r>
-            <a:rPr lang="en-US" sz="3800" kern="1200" dirty="0" smtClean="0"/>
-            <a:t>Buffer </a:t>
-          </a:r>
-          <a:endParaRPr lang="en-US" sz="3800" kern="1200" dirty="0"/>
-        </a:p>
-      </dsp:txBody>
-      <dsp:txXfrm>
-        <a:off x="728223" y="34816"/>
-        <a:ext cx="2307799" cy="1119083"/>
-      </dsp:txXfrm>
-    </dsp:sp>
-    <dsp:sp modelId="{8C6088A7-9446-479C-BB1E-9CB23F003AE5}">
-      <dsp:nvSpPr>
-        <dsp:cNvPr id="0" name=""/>
-        <dsp:cNvSpPr/>
-      </dsp:nvSpPr>
-      <dsp:spPr>
-        <a:xfrm>
-          <a:off x="3070839" y="504357"/>
-          <a:ext cx="1807918" cy="180000"/>
-        </a:xfrm>
-        <a:custGeom>
-          <a:avLst/>
-          <a:gdLst/>
-          <a:ahLst/>
-          <a:cxnLst/>
-          <a:rect l="0" t="0" r="0" b="0"/>
-          <a:pathLst>
-            <a:path>
-              <a:moveTo>
-                <a:pt x="0" y="90000"/>
-              </a:moveTo>
-              <a:lnTo>
-                <a:pt x="1807918" y="90000"/>
-              </a:lnTo>
-            </a:path>
-          </a:pathLst>
-        </a:custGeom>
-        <a:noFill/>
-        <a:ln w="12700" cap="flat" cmpd="sng" algn="ctr">
-          <a:solidFill>
-            <a:schemeClr val="accent1">
-              <a:shade val="60000"/>
-              <a:hueOff val="0"/>
-              <a:satOff val="0"/>
-              <a:lumOff val="0"/>
-              <a:alphaOff val="0"/>
-            </a:schemeClr>
-          </a:solidFill>
-          <a:prstDash val="solid"/>
-          <a:miter lim="800000"/>
-        </a:ln>
-        <a:effectLst/>
-      </dsp:spPr>
-      <dsp:style>
-        <a:lnRef idx="2">
-          <a:scrgbClr r="0" g="0" b="0"/>
-        </a:lnRef>
-        <a:fillRef idx="0">
-          <a:scrgbClr r="0" g="0" b="0"/>
-        </a:fillRef>
-        <a:effectRef idx="0">
-          <a:scrgbClr r="0" g="0" b="0"/>
-        </a:effectRef>
-        <a:fontRef idx="minor"/>
-      </dsp:style>
-      <dsp:txBody>
-        <a:bodyPr spcFirstLastPara="0" vert="horz" wrap="square" lIns="12700" tIns="0" rIns="12700" bIns="0" numCol="1" spcCol="1270" anchor="ctr" anchorCtr="0">
-          <a:noAutofit/>
-        </a:bodyPr>
-        <a:lstStyle/>
-        <a:p>
-          <a:pPr lvl="0" algn="ctr" defTabSz="266700">
-            <a:lnSpc>
-              <a:spcPct val="90000"/>
-            </a:lnSpc>
-            <a:spcBef>
-              <a:spcPct val="0"/>
-            </a:spcBef>
-            <a:spcAft>
-              <a:spcPct val="35000"/>
-            </a:spcAft>
-          </a:pPr>
-          <a:endParaRPr lang="en-US" sz="600" kern="1200"/>
-        </a:p>
-      </dsp:txBody>
-      <dsp:txXfrm>
-        <a:off x="3929600" y="549160"/>
-        <a:ext cx="90395" cy="90395"/>
-      </dsp:txXfrm>
-    </dsp:sp>
-    <dsp:sp modelId="{A8B79324-81EC-467E-A125-D4A609A49F7D}">
-      <dsp:nvSpPr>
-        <dsp:cNvPr id="0" name=""/>
-        <dsp:cNvSpPr/>
-      </dsp:nvSpPr>
-      <dsp:spPr>
-        <a:xfrm>
-          <a:off x="4878757" y="0"/>
-          <a:ext cx="2377431" cy="1188715"/>
-        </a:xfrm>
-        <a:prstGeom prst="roundRect">
-          <a:avLst>
-            <a:gd name="adj" fmla="val 10000"/>
-          </a:avLst>
-        </a:prstGeom>
-        <a:solidFill>
-          <a:schemeClr val="accent6"/>
-        </a:solidFill>
-        <a:ln w="12700" cap="flat" cmpd="sng" algn="ctr">
-          <a:solidFill>
-            <a:schemeClr val="lt1">
-              <a:hueOff val="0"/>
-              <a:satOff val="0"/>
-              <a:lumOff val="0"/>
-              <a:alphaOff val="0"/>
-            </a:schemeClr>
-          </a:solidFill>
-          <a:prstDash val="solid"/>
-          <a:miter lim="800000"/>
-        </a:ln>
-        <a:effectLst/>
-      </dsp:spPr>
-      <dsp:style>
-        <a:lnRef idx="2">
-          <a:scrgbClr r="0" g="0" b="0"/>
-        </a:lnRef>
-        <a:fillRef idx="1">
-          <a:scrgbClr r="0" g="0" b="0"/>
-        </a:fillRef>
-        <a:effectRef idx="0">
-          <a:scrgbClr r="0" g="0" b="0"/>
-        </a:effectRef>
-        <a:fontRef idx="minor">
-          <a:schemeClr val="lt1"/>
-        </a:fontRef>
-      </dsp:style>
-      <dsp:txBody>
-        <a:bodyPr spcFirstLastPara="0" vert="horz" wrap="square" lIns="24130" tIns="24130" rIns="24130" bIns="24130" numCol="1" spcCol="1270" anchor="ctr" anchorCtr="0">
-          <a:noAutofit/>
-        </a:bodyPr>
-        <a:lstStyle/>
-        <a:p>
-          <a:pPr lvl="0" algn="ctr" defTabSz="1689100">
-            <a:lnSpc>
-              <a:spcPct val="90000"/>
-            </a:lnSpc>
-            <a:spcBef>
-              <a:spcPct val="0"/>
-            </a:spcBef>
-            <a:spcAft>
-              <a:spcPct val="35000"/>
-            </a:spcAft>
-          </a:pPr>
-          <a:r>
-            <a:rPr lang="en-US" sz="3800" kern="1200" dirty="0" smtClean="0"/>
-            <a:t>Action (</a:t>
-          </a:r>
-          <a:r>
-            <a:rPr lang="en-US" sz="3800" kern="1200" dirty="0" err="1" smtClean="0"/>
-            <a:t>Fedex</a:t>
-          </a:r>
-          <a:r>
-            <a:rPr lang="en-US" sz="3800" kern="1200" dirty="0" smtClean="0"/>
-            <a:t>)</a:t>
-          </a:r>
-          <a:endParaRPr lang="en-US" sz="3800" kern="1200" dirty="0"/>
-        </a:p>
-      </dsp:txBody>
-      <dsp:txXfrm>
-        <a:off x="4913573" y="34816"/>
-        <a:ext cx="2307799" cy="1119083"/>
-      </dsp:txXfrm>
-    </dsp:sp>
   </dsp:spTree>
 </dsp:drawing>
 </file>
@@ -4543,401 +3654,6 @@
       <dsp:cNvGrpSpPr/>
     </dsp:nvGrpSpPr>
     <dsp:grpSpPr/>
-    <dsp:sp modelId="{5B3A2C99-8379-4C3D-BD03-9F7DC286BC5F}">
-      <dsp:nvSpPr>
-        <dsp:cNvPr id="0" name=""/>
-        <dsp:cNvSpPr/>
-      </dsp:nvSpPr>
-      <dsp:spPr>
-        <a:xfrm>
-          <a:off x="1434329" y="558485"/>
-          <a:ext cx="1902619" cy="951309"/>
-        </a:xfrm>
-        <a:prstGeom prst="roundRect">
-          <a:avLst>
-            <a:gd name="adj" fmla="val 10000"/>
-          </a:avLst>
-        </a:prstGeom>
-        <a:solidFill>
-          <a:srgbClr val="00B050"/>
-        </a:solidFill>
-        <a:ln w="12700" cap="flat" cmpd="sng" algn="ctr">
-          <a:solidFill>
-            <a:schemeClr val="lt1">
-              <a:hueOff val="0"/>
-              <a:satOff val="0"/>
-              <a:lumOff val="0"/>
-              <a:alphaOff val="0"/>
-            </a:schemeClr>
-          </a:solidFill>
-          <a:prstDash val="solid"/>
-          <a:miter lim="800000"/>
-        </a:ln>
-        <a:effectLst/>
-      </dsp:spPr>
-      <dsp:style>
-        <a:lnRef idx="2">
-          <a:scrgbClr r="0" g="0" b="0"/>
-        </a:lnRef>
-        <a:fillRef idx="1">
-          <a:scrgbClr r="0" g="0" b="0"/>
-        </a:fillRef>
-        <a:effectRef idx="0">
-          <a:scrgbClr r="0" g="0" b="0"/>
-        </a:effectRef>
-        <a:fontRef idx="minor">
-          <a:schemeClr val="lt1"/>
-        </a:fontRef>
-      </dsp:style>
-      <dsp:txBody>
-        <a:bodyPr spcFirstLastPara="0" vert="horz" wrap="square" lIns="19050" tIns="19050" rIns="19050" bIns="19050" numCol="1" spcCol="1270" anchor="ctr" anchorCtr="0">
-          <a:noAutofit/>
-        </a:bodyPr>
-        <a:lstStyle/>
-        <a:p>
-          <a:pPr lvl="0" algn="ctr" defTabSz="1333500">
-            <a:lnSpc>
-              <a:spcPct val="90000"/>
-            </a:lnSpc>
-            <a:spcBef>
-              <a:spcPct val="0"/>
-            </a:spcBef>
-            <a:spcAft>
-              <a:spcPct val="35000"/>
-            </a:spcAft>
-          </a:pPr>
-          <a:r>
-            <a:rPr lang="en-US" sz="3000" kern="1200" dirty="0" smtClean="0"/>
-            <a:t>Buffer (Orders)</a:t>
-          </a:r>
-          <a:endParaRPr lang="en-US" sz="3000" kern="1200" dirty="0"/>
-        </a:p>
-      </dsp:txBody>
-      <dsp:txXfrm>
-        <a:off x="1462192" y="586348"/>
-        <a:ext cx="1846893" cy="895583"/>
-      </dsp:txXfrm>
-    </dsp:sp>
-    <dsp:sp modelId="{8C6088A7-9446-479C-BB1E-9CB23F003AE5}">
-      <dsp:nvSpPr>
-        <dsp:cNvPr id="0" name=""/>
-        <dsp:cNvSpPr/>
-      </dsp:nvSpPr>
-      <dsp:spPr>
-        <a:xfrm rot="20334839">
-          <a:off x="3285032" y="713361"/>
-          <a:ext cx="1550678" cy="83671"/>
-        </a:xfrm>
-        <a:custGeom>
-          <a:avLst/>
-          <a:gdLst/>
-          <a:ahLst/>
-          <a:cxnLst/>
-          <a:rect l="0" t="0" r="0" b="0"/>
-          <a:pathLst>
-            <a:path>
-              <a:moveTo>
-                <a:pt x="0" y="41835"/>
-              </a:moveTo>
-              <a:lnTo>
-                <a:pt x="1550678" y="41835"/>
-              </a:lnTo>
-            </a:path>
-          </a:pathLst>
-        </a:custGeom>
-        <a:noFill/>
-        <a:ln w="12700" cap="flat" cmpd="sng" algn="ctr">
-          <a:solidFill>
-            <a:schemeClr val="accent1">
-              <a:shade val="60000"/>
-              <a:hueOff val="0"/>
-              <a:satOff val="0"/>
-              <a:lumOff val="0"/>
-              <a:alphaOff val="0"/>
-            </a:schemeClr>
-          </a:solidFill>
-          <a:prstDash val="solid"/>
-          <a:miter lim="800000"/>
-        </a:ln>
-        <a:effectLst/>
-      </dsp:spPr>
-      <dsp:style>
-        <a:lnRef idx="2">
-          <a:scrgbClr r="0" g="0" b="0"/>
-        </a:lnRef>
-        <a:fillRef idx="0">
-          <a:scrgbClr r="0" g="0" b="0"/>
-        </a:fillRef>
-        <a:effectRef idx="0">
-          <a:scrgbClr r="0" g="0" b="0"/>
-        </a:effectRef>
-        <a:fontRef idx="minor"/>
-      </dsp:style>
-      <dsp:txBody>
-        <a:bodyPr spcFirstLastPara="0" vert="horz" wrap="square" lIns="12700" tIns="0" rIns="12700" bIns="0" numCol="1" spcCol="1270" anchor="ctr" anchorCtr="0">
-          <a:noAutofit/>
-        </a:bodyPr>
-        <a:lstStyle/>
-        <a:p>
-          <a:pPr lvl="0" algn="ctr" defTabSz="222250">
-            <a:lnSpc>
-              <a:spcPct val="90000"/>
-            </a:lnSpc>
-            <a:spcBef>
-              <a:spcPct val="0"/>
-            </a:spcBef>
-            <a:spcAft>
-              <a:spcPct val="35000"/>
-            </a:spcAft>
-          </a:pPr>
-          <a:endParaRPr lang="en-US" sz="500" kern="1200"/>
-        </a:p>
-      </dsp:txBody>
-      <dsp:txXfrm>
-        <a:off x="4021604" y="716430"/>
-        <a:ext cx="77533" cy="77533"/>
-      </dsp:txXfrm>
-    </dsp:sp>
-    <dsp:sp modelId="{A8B79324-81EC-467E-A125-D4A609A49F7D}">
-      <dsp:nvSpPr>
-        <dsp:cNvPr id="0" name=""/>
-        <dsp:cNvSpPr/>
-      </dsp:nvSpPr>
-      <dsp:spPr>
-        <a:xfrm>
-          <a:off x="4783795" y="599"/>
-          <a:ext cx="1902619" cy="951309"/>
-        </a:xfrm>
-        <a:prstGeom prst="roundRect">
-          <a:avLst>
-            <a:gd name="adj" fmla="val 10000"/>
-          </a:avLst>
-        </a:prstGeom>
-        <a:solidFill>
-          <a:schemeClr val="accent6"/>
-        </a:solidFill>
-        <a:ln w="12700" cap="flat" cmpd="sng" algn="ctr">
-          <a:solidFill>
-            <a:schemeClr val="lt1">
-              <a:hueOff val="0"/>
-              <a:satOff val="0"/>
-              <a:lumOff val="0"/>
-              <a:alphaOff val="0"/>
-            </a:schemeClr>
-          </a:solidFill>
-          <a:prstDash val="solid"/>
-          <a:miter lim="800000"/>
-        </a:ln>
-        <a:effectLst/>
-      </dsp:spPr>
-      <dsp:style>
-        <a:lnRef idx="2">
-          <a:scrgbClr r="0" g="0" b="0"/>
-        </a:lnRef>
-        <a:fillRef idx="1">
-          <a:scrgbClr r="0" g="0" b="0"/>
-        </a:fillRef>
-        <a:effectRef idx="0">
-          <a:scrgbClr r="0" g="0" b="0"/>
-        </a:effectRef>
-        <a:fontRef idx="minor">
-          <a:schemeClr val="lt1"/>
-        </a:fontRef>
-      </dsp:style>
-      <dsp:txBody>
-        <a:bodyPr spcFirstLastPara="0" vert="horz" wrap="square" lIns="19050" tIns="19050" rIns="19050" bIns="19050" numCol="1" spcCol="1270" anchor="ctr" anchorCtr="0">
-          <a:noAutofit/>
-        </a:bodyPr>
-        <a:lstStyle/>
-        <a:p>
-          <a:pPr lvl="0" algn="ctr" defTabSz="1333500">
-            <a:lnSpc>
-              <a:spcPct val="90000"/>
-            </a:lnSpc>
-            <a:spcBef>
-              <a:spcPct val="0"/>
-            </a:spcBef>
-            <a:spcAft>
-              <a:spcPct val="35000"/>
-            </a:spcAft>
-          </a:pPr>
-          <a:r>
-            <a:rPr lang="en-US" sz="3000" kern="1200" dirty="0" smtClean="0"/>
-            <a:t>Action (</a:t>
-          </a:r>
-          <a:r>
-            <a:rPr lang="en-US" sz="3000" kern="1200" dirty="0" err="1" smtClean="0"/>
-            <a:t>Fedex</a:t>
-          </a:r>
-          <a:r>
-            <a:rPr lang="en-US" sz="3000" kern="1200" dirty="0" smtClean="0"/>
-            <a:t>)</a:t>
-          </a:r>
-          <a:endParaRPr lang="en-US" sz="3000" kern="1200" dirty="0"/>
-        </a:p>
-      </dsp:txBody>
-      <dsp:txXfrm>
-        <a:off x="4811658" y="28462"/>
-        <a:ext cx="1846893" cy="895583"/>
-      </dsp:txXfrm>
-    </dsp:sp>
-    <dsp:sp modelId="{A93F4213-9CA7-44BF-8135-3A1C9DEA6F6E}">
-      <dsp:nvSpPr>
-        <dsp:cNvPr id="0" name=""/>
-        <dsp:cNvSpPr/>
-      </dsp:nvSpPr>
-      <dsp:spPr>
-        <a:xfrm rot="1219912">
-          <a:off x="3288881" y="1260364"/>
-          <a:ext cx="1542981" cy="83671"/>
-        </a:xfrm>
-        <a:custGeom>
-          <a:avLst/>
-          <a:gdLst/>
-          <a:ahLst/>
-          <a:cxnLst/>
-          <a:rect l="0" t="0" r="0" b="0"/>
-          <a:pathLst>
-            <a:path>
-              <a:moveTo>
-                <a:pt x="0" y="41835"/>
-              </a:moveTo>
-              <a:lnTo>
-                <a:pt x="1542981" y="41835"/>
-              </a:lnTo>
-            </a:path>
-          </a:pathLst>
-        </a:custGeom>
-        <a:noFill/>
-        <a:ln w="12700" cap="flat" cmpd="sng" algn="ctr">
-          <a:solidFill>
-            <a:schemeClr val="accent1">
-              <a:shade val="60000"/>
-              <a:hueOff val="0"/>
-              <a:satOff val="0"/>
-              <a:lumOff val="0"/>
-              <a:alphaOff val="0"/>
-            </a:schemeClr>
-          </a:solidFill>
-          <a:prstDash val="solid"/>
-          <a:miter lim="800000"/>
-        </a:ln>
-        <a:effectLst/>
-      </dsp:spPr>
-      <dsp:style>
-        <a:lnRef idx="2">
-          <a:scrgbClr r="0" g="0" b="0"/>
-        </a:lnRef>
-        <a:fillRef idx="0">
-          <a:scrgbClr r="0" g="0" b="0"/>
-        </a:fillRef>
-        <a:effectRef idx="0">
-          <a:scrgbClr r="0" g="0" b="0"/>
-        </a:effectRef>
-        <a:fontRef idx="minor"/>
-      </dsp:style>
-      <dsp:txBody>
-        <a:bodyPr spcFirstLastPara="0" vert="horz" wrap="square" lIns="12700" tIns="0" rIns="12700" bIns="0" numCol="1" spcCol="1270" anchor="ctr" anchorCtr="0">
-          <a:noAutofit/>
-        </a:bodyPr>
-        <a:lstStyle/>
-        <a:p>
-          <a:pPr lvl="0" algn="ctr" defTabSz="222250">
-            <a:lnSpc>
-              <a:spcPct val="90000"/>
-            </a:lnSpc>
-            <a:spcBef>
-              <a:spcPct val="0"/>
-            </a:spcBef>
-            <a:spcAft>
-              <a:spcPct val="35000"/>
-            </a:spcAft>
-          </a:pPr>
-          <a:endParaRPr lang="en-US" sz="500" kern="1200"/>
-        </a:p>
-      </dsp:txBody>
-      <dsp:txXfrm>
-        <a:off x="4021797" y="1263626"/>
-        <a:ext cx="77149" cy="77149"/>
-      </dsp:txXfrm>
-    </dsp:sp>
-    <dsp:sp modelId="{3B9E8582-1F49-4008-BDD9-80078F244F18}">
-      <dsp:nvSpPr>
-        <dsp:cNvPr id="0" name=""/>
-        <dsp:cNvSpPr/>
-      </dsp:nvSpPr>
-      <dsp:spPr>
-        <a:xfrm>
-          <a:off x="4783795" y="1094605"/>
-          <a:ext cx="1902619" cy="951309"/>
-        </a:xfrm>
-        <a:prstGeom prst="roundRect">
-          <a:avLst>
-            <a:gd name="adj" fmla="val 10000"/>
-          </a:avLst>
-        </a:prstGeom>
-        <a:solidFill>
-          <a:schemeClr val="tx2">
-            <a:lumMod val="75000"/>
-          </a:schemeClr>
-        </a:solidFill>
-        <a:ln w="12700" cap="flat" cmpd="sng" algn="ctr">
-          <a:solidFill>
-            <a:schemeClr val="lt1">
-              <a:hueOff val="0"/>
-              <a:satOff val="0"/>
-              <a:lumOff val="0"/>
-              <a:alphaOff val="0"/>
-            </a:schemeClr>
-          </a:solidFill>
-          <a:prstDash val="solid"/>
-          <a:miter lim="800000"/>
-        </a:ln>
-        <a:effectLst/>
-      </dsp:spPr>
-      <dsp:style>
-        <a:lnRef idx="2">
-          <a:scrgbClr r="0" g="0" b="0"/>
-        </a:lnRef>
-        <a:fillRef idx="1">
-          <a:scrgbClr r="0" g="0" b="0"/>
-        </a:fillRef>
-        <a:effectRef idx="0">
-          <a:scrgbClr r="0" g="0" b="0"/>
-        </a:effectRef>
-        <a:fontRef idx="minor">
-          <a:schemeClr val="lt1"/>
-        </a:fontRef>
-      </dsp:style>
-      <dsp:txBody>
-        <a:bodyPr spcFirstLastPara="0" vert="horz" wrap="square" lIns="19050" tIns="19050" rIns="19050" bIns="19050" numCol="1" spcCol="1270" anchor="ctr" anchorCtr="0">
-          <a:noAutofit/>
-        </a:bodyPr>
-        <a:lstStyle/>
-        <a:p>
-          <a:pPr lvl="0" algn="ctr" defTabSz="1333500">
-            <a:lnSpc>
-              <a:spcPct val="90000"/>
-            </a:lnSpc>
-            <a:spcBef>
-              <a:spcPct val="0"/>
-            </a:spcBef>
-            <a:spcAft>
-              <a:spcPct val="35000"/>
-            </a:spcAft>
-          </a:pPr>
-          <a:r>
-            <a:rPr lang="en-US" sz="3000" kern="1200" dirty="0" smtClean="0"/>
-            <a:t>Action (Ups)</a:t>
-          </a:r>
-          <a:endParaRPr lang="en-US" sz="3000" kern="1200" dirty="0"/>
-        </a:p>
-      </dsp:txBody>
-      <dsp:txXfrm>
-        <a:off x="4811658" y="1122468"/>
-        <a:ext cx="1846893" cy="895583"/>
-      </dsp:txXfrm>
-    </dsp:sp>
   </dsp:spTree>
 </dsp:drawing>
 </file>
@@ -8971,7 +7687,7 @@
           <a:p>
             <a:fld id="{65324AB0-7513-4B2D-BCC4-4839EFE3A472}" type="datetimeFigureOut">
               <a:rPr lang="en-US" smtClean="0"/>
-              <a:t>2/21/2014</a:t>
+              <a:t>2/22/2014</a:t>
             </a:fld>
             <a:endParaRPr lang="en-US"/>
           </a:p>
@@ -12627,7 +11343,7 @@
           <a:p>
             <a:fld id="{BE268D4C-413A-49F5-A35D-A1EF7F2B9676}" type="datetime1">
               <a:rPr lang="en-US" smtClean="0"/>
-              <a:t>2/21/2014</a:t>
+              <a:t>2/22/2014</a:t>
             </a:fld>
             <a:endParaRPr lang="en-US" dirty="0"/>
           </a:p>
@@ -12908,7 +11624,7 @@
           <a:p>
             <a:fld id="{AB945B4C-5714-476C-A3E9-074DBEA528F6}" type="datetime1">
               <a:rPr lang="en-US" smtClean="0"/>
-              <a:t>2/21/2014</a:t>
+              <a:t>2/22/2014</a:t>
             </a:fld>
             <a:endParaRPr lang="en-US" dirty="0"/>
           </a:p>
@@ -13099,7 +11815,7 @@
           <a:p>
             <a:fld id="{86E5E069-B4EF-402E-AC75-F1B6380AC6A8}" type="datetime1">
               <a:rPr lang="en-US" smtClean="0"/>
-              <a:t>2/21/2014</a:t>
+              <a:t>2/22/2014</a:t>
             </a:fld>
             <a:endParaRPr lang="en-US" dirty="0"/>
           </a:p>
@@ -13359,7 +12075,7 @@
           <a:p>
             <a:fld id="{D74934DB-A549-448F-BC77-AC775C23C49E}" type="datetime1">
               <a:rPr lang="en-US" smtClean="0"/>
-              <a:t>2/21/2014</a:t>
+              <a:t>2/22/2014</a:t>
             </a:fld>
             <a:endParaRPr lang="en-US" dirty="0"/>
           </a:p>
@@ -13784,7 +12500,7 @@
           <a:p>
             <a:fld id="{C802D833-D884-4BA7-ABF1-50105369A6A7}" type="datetime1">
               <a:rPr lang="en-US" smtClean="0"/>
-              <a:t>2/21/2014</a:t>
+              <a:t>2/22/2014</a:t>
             </a:fld>
             <a:endParaRPr lang="en-US" dirty="0"/>
           </a:p>
@@ -14329,7 +13045,7 @@
           <a:p>
             <a:fld id="{2005DCBB-308F-4FB9-8E29-116B5E9DF2DE}" type="datetime1">
               <a:rPr lang="en-US" smtClean="0"/>
-              <a:t>2/21/2014</a:t>
+              <a:t>2/22/2014</a:t>
             </a:fld>
             <a:endParaRPr lang="en-US" dirty="0"/>
           </a:p>
@@ -15159,7 +13875,7 @@
           <a:p>
             <a:fld id="{34FE312D-A50E-47C3-A1B0-DC2DAC5E8CEA}" type="datetime1">
               <a:rPr lang="en-US" smtClean="0"/>
-              <a:t>2/21/2014</a:t>
+              <a:t>2/22/2014</a:t>
             </a:fld>
             <a:endParaRPr lang="en-US" dirty="0"/>
           </a:p>
@@ -15328,7 +14044,7 @@
           <a:p>
             <a:fld id="{3E8251C3-D929-4CB7-8B27-75BA84796FAA}" type="datetime1">
               <a:rPr lang="en-US" smtClean="0"/>
-              <a:t>2/21/2014</a:t>
+              <a:t>2/22/2014</a:t>
             </a:fld>
             <a:endParaRPr lang="en-US" dirty="0"/>
           </a:p>
@@ -15507,7 +14223,7 @@
           <a:p>
             <a:fld id="{E28D29DE-08E7-4CD2-B0BD-148F5A8F8AEB}" type="datetime1">
               <a:rPr lang="en-US" smtClean="0"/>
-              <a:t>2/21/2014</a:t>
+              <a:t>2/22/2014</a:t>
             </a:fld>
             <a:endParaRPr lang="en-US" dirty="0"/>
           </a:p>
@@ -15676,7 +14392,7 @@
           <a:p>
             <a:fld id="{4244BE99-BB93-4471-9159-E466980129D2}" type="datetime1">
               <a:rPr lang="en-US" smtClean="0"/>
-              <a:t>2/21/2014</a:t>
+              <a:t>2/22/2014</a:t>
             </a:fld>
             <a:endParaRPr lang="en-US" dirty="0"/>
           </a:p>
@@ -15962,7 +14678,7 @@
           <a:p>
             <a:fld id="{EABB3452-C1C9-4F77-8F63-EB9D052FD8E0}" type="datetime1">
               <a:rPr lang="en-US" smtClean="0"/>
-              <a:t>2/21/2014</a:t>
+              <a:t>2/22/2014</a:t>
             </a:fld>
             <a:endParaRPr lang="en-US" dirty="0"/>
           </a:p>
@@ -16193,7 +14909,7 @@
           <a:p>
             <a:fld id="{EE22856A-1CE4-4765-B569-68C55BBEC42B}" type="datetime1">
               <a:rPr lang="en-US" smtClean="0"/>
-              <a:t>2/21/2014</a:t>
+              <a:t>2/22/2014</a:t>
             </a:fld>
             <a:endParaRPr lang="en-US" dirty="0"/>
           </a:p>
@@ -16585,7 +15301,7 @@
           <a:p>
             <a:fld id="{20316681-3D2D-4E47-AEED-31AEC6E51EF4}" type="datetime1">
               <a:rPr lang="en-US" smtClean="0"/>
-              <a:t>2/21/2014</a:t>
+              <a:t>2/22/2014</a:t>
             </a:fld>
             <a:endParaRPr lang="en-US" dirty="0"/>
           </a:p>
@@ -16702,7 +15418,7 @@
           <a:p>
             <a:fld id="{D2A9F3CF-E5F3-4BC5-BFB9-80F42F5D231F}" type="datetime1">
               <a:rPr lang="en-US" smtClean="0"/>
-              <a:t>2/21/2014</a:t>
+              <a:t>2/22/2014</a:t>
             </a:fld>
             <a:endParaRPr lang="en-US" dirty="0"/>
           </a:p>
@@ -16796,7 +15512,7 @@
           <a:p>
             <a:fld id="{DD142CE0-2217-48B9-AD6E-D1DAB7318C26}" type="datetime1">
               <a:rPr lang="en-US" smtClean="0"/>
-              <a:t>2/21/2014</a:t>
+              <a:t>2/22/2014</a:t>
             </a:fld>
             <a:endParaRPr lang="en-US" dirty="0"/>
           </a:p>
@@ -17068,7 +15784,7 @@
           <a:p>
             <a:fld id="{A7AC3007-AB2C-450A-8A52-3E6D3D822B75}" type="datetime1">
               <a:rPr lang="en-US" smtClean="0"/>
-              <a:t>2/21/2014</a:t>
+              <a:t>2/22/2014</a:t>
             </a:fld>
             <a:endParaRPr lang="en-US" dirty="0"/>
           </a:p>
@@ -17348,7 +16064,7 @@
           <a:p>
             <a:fld id="{2B3F33AF-848B-45E5-B10C-500A924A0980}" type="datetime1">
               <a:rPr lang="en-US" smtClean="0"/>
-              <a:t>2/21/2014</a:t>
+              <a:t>2/22/2014</a:t>
             </a:fld>
             <a:endParaRPr lang="en-US" dirty="0"/>
           </a:p>
@@ -17587,7 +16303,7 @@
           <a:p>
             <a:fld id="{3D94BDEA-7FEB-43D9-AD4C-AB9C97EDD468}" type="datetime1">
               <a:rPr lang="en-US" smtClean="0"/>
-              <a:t>2/21/2014</a:t>
+              <a:t>2/22/2014</a:t>
             </a:fld>
             <a:endParaRPr lang="en-US" dirty="0"/>
           </a:p>
@@ -27260,7 +25976,7 @@
         </p:spPr>
         <p:txBody>
           <a:bodyPr>
-            <a:normAutofit fontScale="92500" lnSpcReduction="20000"/>
+            <a:normAutofit fontScale="85000" lnSpcReduction="20000"/>
           </a:bodyPr>
           <a:lstStyle/>
           <a:p>
@@ -27319,44 +26035,58 @@
               <a:rPr lang="en-US" dirty="0" smtClean="0">
                 <a:hlinkClick r:id="rId4"/>
               </a:rPr>
-              <a:t>http://taskmatics.com/download</a:t>
+              <a:t>http://</a:t>
+            </a:r>
+            <a:r>
+              <a:rPr lang="en-US" dirty="0" smtClean="0">
+                <a:hlinkClick r:id="rId4"/>
+              </a:rPr>
+              <a:t>taskmatics.com/download</a:t>
             </a:r>
             <a:endParaRPr lang="en-US" dirty="0" smtClean="0"/>
           </a:p>
           <a:p>
+            <a:endParaRPr lang="en-US" dirty="0" smtClean="0"/>
+          </a:p>
+          <a:p>
             <a:pPr marL="0" indent="0">
               <a:buNone/>
             </a:pPr>
-            <a:endParaRPr lang="en-US" dirty="0"/>
-          </a:p>
-          <a:p>
-            <a:pPr marL="0" indent="0">
-              <a:buNone/>
-            </a:pPr>
             <a:r>
               <a:rPr lang="en-US" dirty="0" smtClean="0"/>
-              <a:t>Get the slides and code samples</a:t>
-            </a:r>
-          </a:p>
-          <a:p>
-            <a:pPr marL="0" indent="0">
-              <a:buNone/>
-            </a:pPr>
-            <a:endParaRPr lang="en-US" dirty="0"/>
-          </a:p>
-          <a:p>
-            <a:pPr marL="0" indent="0">
-              <a:buNone/>
-            </a:pPr>
+              <a:t>Get </a:t>
+            </a:r>
             <a:r>
               <a:rPr lang="en-US" dirty="0" smtClean="0"/>
-              <a:t>More Links</a:t>
+              <a:t>the slides and code samples</a:t>
             </a:r>
           </a:p>
           <a:p>
             <a:r>
               <a:rPr lang="en-US" dirty="0" smtClean="0">
                 <a:hlinkClick r:id="rId5"/>
+              </a:rPr>
+              <a:t>http://github.com/Taskmatics/code-camp-x-tpl-dataflow</a:t>
+            </a:r>
+            <a:endParaRPr lang="en-US" dirty="0" smtClean="0"/>
+          </a:p>
+          <a:p>
+            <a:endParaRPr lang="en-US" dirty="0"/>
+          </a:p>
+          <a:p>
+            <a:pPr marL="0" indent="0">
+              <a:buNone/>
+            </a:pPr>
+            <a:r>
+              <a:rPr lang="en-US" dirty="0" smtClean="0"/>
+              <a:t>Our Blog</a:t>
+            </a:r>
+            <a:endParaRPr lang="en-US" dirty="0" smtClean="0"/>
+          </a:p>
+          <a:p>
+            <a:r>
+              <a:rPr lang="en-US" dirty="0" smtClean="0">
+                <a:hlinkClick r:id="rId6"/>
               </a:rPr>
               <a:t>http://taskmatics.com/blog</a:t>
             </a:r>
@@ -27385,7 +26115,7 @@
           <p:nvPr/>
         </p:nvPicPr>
         <p:blipFill>
-          <a:blip r:embed="rId6">
+          <a:blip r:embed="rId7">
             <a:extLst>
               <a:ext uri="{28A0092B-C50C-407E-A947-70E740481C1C}">
                 <a14:useLocalDpi xmlns:a14="http://schemas.microsoft.com/office/drawing/2010/main" val="0"/>
@@ -27398,7 +26128,7 @@
         </p:blipFill>
         <p:spPr>
           <a:xfrm>
-            <a:off x="7500905" y="2432050"/>
+            <a:off x="6671171" y="874184"/>
             <a:ext cx="3852895" cy="3630613"/>
           </a:xfrm>
           <a:prstGeom prst="rect">

--- a/Composing Asynchronous Operations.pptx
+++ b/Composing Asynchronous Operations.pptx
@@ -26504,18 +26504,23 @@
           <a:p>
             <a:pPr lvl="1"/>
             <a:r>
-              <a:rPr lang="en-US" sz="2800" dirty="0"/>
-              <a:t>I</a:t>
-            </a:r>
-            <a:r>
-              <a:rPr lang="en-US" sz="2800" dirty="0" smtClean="0"/>
-              <a:t>nstall –Package </a:t>
-            </a:r>
-            <a:r>
-              <a:rPr lang="en-US" sz="2800" dirty="0" err="1" smtClean="0"/>
+              <a:rPr lang="en-US" sz="2800" smtClean="0">
+                <a:latin typeface="Consolas" panose="020B0609020204030204" pitchFamily="49" charset="0"/>
+                <a:cs typeface="Consolas" panose="020B0609020204030204" pitchFamily="49" charset="0"/>
+              </a:rPr>
+              <a:t>Install–Package </a:t>
+            </a:r>
+            <a:r>
+              <a:rPr lang="en-US" sz="2800" dirty="0" err="1" smtClean="0">
+                <a:latin typeface="Consolas" panose="020B0609020204030204" pitchFamily="49" charset="0"/>
+                <a:cs typeface="Consolas" panose="020B0609020204030204" pitchFamily="49" charset="0"/>
+              </a:rPr>
               <a:t>Microsoft.Tpl.Dataflow</a:t>
             </a:r>
-            <a:endParaRPr lang="en-US" sz="2800" dirty="0"/>
+            <a:endParaRPr lang="en-US" sz="2800" dirty="0">
+              <a:latin typeface="Consolas" panose="020B0609020204030204" pitchFamily="49" charset="0"/>
+              <a:cs typeface="Consolas" panose="020B0609020204030204" pitchFamily="49" charset="0"/>
+            </a:endParaRPr>
           </a:p>
         </p:txBody>
       </p:sp>
@@ -26763,7 +26768,7 @@
             <a:pPr lvl="1"/>
             <a:r>
               <a:rPr lang="en-US" sz="2800" dirty="0" smtClean="0"/>
-              <a:t>Buffering/Routing</a:t>
+              <a:t>Buffering</a:t>
             </a:r>
           </a:p>
           <a:p>
@@ -26772,6 +26777,7 @@
               <a:rPr lang="en-US" sz="2800" dirty="0" smtClean="0"/>
               <a:t>Execution/Transformation</a:t>
             </a:r>
+            <a:endParaRPr lang="en-US" sz="2800" dirty="0" smtClean="0"/>
           </a:p>
           <a:p>
             <a:pPr lvl="1"/>
